--- a/images_source/fig3_alt.pptx
+++ b/images_source/fig3_alt.pptx
@@ -288,7 +288,7 @@
           <a:p>
             <a:fld id="{9C47C307-1373-4E04-808A-D980B6B96844}" type="datetimeFigureOut">
               <a:rPr lang="en-US" smtClean="0"/>
-              <a:t>7/22/2013</a:t>
+              <a:t>12/5/2013</a:t>
             </a:fld>
             <a:endParaRPr lang="en-US"/>
           </a:p>
@@ -458,7 +458,7 @@
           <a:p>
             <a:fld id="{9C47C307-1373-4E04-808A-D980B6B96844}" type="datetimeFigureOut">
               <a:rPr lang="en-US" smtClean="0"/>
-              <a:t>7/22/2013</a:t>
+              <a:t>12/5/2013</a:t>
             </a:fld>
             <a:endParaRPr lang="en-US"/>
           </a:p>
@@ -638,7 +638,7 @@
           <a:p>
             <a:fld id="{9C47C307-1373-4E04-808A-D980B6B96844}" type="datetimeFigureOut">
               <a:rPr lang="en-US" smtClean="0"/>
-              <a:t>7/22/2013</a:t>
+              <a:t>12/5/2013</a:t>
             </a:fld>
             <a:endParaRPr lang="en-US"/>
           </a:p>
@@ -808,7 +808,7 @@
           <a:p>
             <a:fld id="{9C47C307-1373-4E04-808A-D980B6B96844}" type="datetimeFigureOut">
               <a:rPr lang="en-US" smtClean="0"/>
-              <a:t>7/22/2013</a:t>
+              <a:t>12/5/2013</a:t>
             </a:fld>
             <a:endParaRPr lang="en-US"/>
           </a:p>
@@ -1054,7 +1054,7 @@
           <a:p>
             <a:fld id="{9C47C307-1373-4E04-808A-D980B6B96844}" type="datetimeFigureOut">
               <a:rPr lang="en-US" smtClean="0"/>
-              <a:t>7/22/2013</a:t>
+              <a:t>12/5/2013</a:t>
             </a:fld>
             <a:endParaRPr lang="en-US"/>
           </a:p>
@@ -1342,7 +1342,7 @@
           <a:p>
             <a:fld id="{9C47C307-1373-4E04-808A-D980B6B96844}" type="datetimeFigureOut">
               <a:rPr lang="en-US" smtClean="0"/>
-              <a:t>7/22/2013</a:t>
+              <a:t>12/5/2013</a:t>
             </a:fld>
             <a:endParaRPr lang="en-US"/>
           </a:p>
@@ -1764,7 +1764,7 @@
           <a:p>
             <a:fld id="{9C47C307-1373-4E04-808A-D980B6B96844}" type="datetimeFigureOut">
               <a:rPr lang="en-US" smtClean="0"/>
-              <a:t>7/22/2013</a:t>
+              <a:t>12/5/2013</a:t>
             </a:fld>
             <a:endParaRPr lang="en-US"/>
           </a:p>
@@ -1882,7 +1882,7 @@
           <a:p>
             <a:fld id="{9C47C307-1373-4E04-808A-D980B6B96844}" type="datetimeFigureOut">
               <a:rPr lang="en-US" smtClean="0"/>
-              <a:t>7/22/2013</a:t>
+              <a:t>12/5/2013</a:t>
             </a:fld>
             <a:endParaRPr lang="en-US"/>
           </a:p>
@@ -1977,7 +1977,7 @@
           <a:p>
             <a:fld id="{9C47C307-1373-4E04-808A-D980B6B96844}" type="datetimeFigureOut">
               <a:rPr lang="en-US" smtClean="0"/>
-              <a:t>7/22/2013</a:t>
+              <a:t>12/5/2013</a:t>
             </a:fld>
             <a:endParaRPr lang="en-US"/>
           </a:p>
@@ -2254,7 +2254,7 @@
           <a:p>
             <a:fld id="{9C47C307-1373-4E04-808A-D980B6B96844}" type="datetimeFigureOut">
               <a:rPr lang="en-US" smtClean="0"/>
-              <a:t>7/22/2013</a:t>
+              <a:t>12/5/2013</a:t>
             </a:fld>
             <a:endParaRPr lang="en-US"/>
           </a:p>
@@ -2507,7 +2507,7 @@
           <a:p>
             <a:fld id="{9C47C307-1373-4E04-808A-D980B6B96844}" type="datetimeFigureOut">
               <a:rPr lang="en-US" smtClean="0"/>
-              <a:t>7/22/2013</a:t>
+              <a:t>12/5/2013</a:t>
             </a:fld>
             <a:endParaRPr lang="en-US"/>
           </a:p>
@@ -2720,7 +2720,7 @@
           <a:p>
             <a:fld id="{9C47C307-1373-4E04-808A-D980B6B96844}" type="datetimeFigureOut">
               <a:rPr lang="en-US" smtClean="0"/>
-              <a:t>7/22/2013</a:t>
+              <a:t>12/5/2013</a:t>
             </a:fld>
             <a:endParaRPr lang="en-US"/>
           </a:p>
@@ -3097,7 +3097,7 @@
       </p:grpSpPr>
       <p:pic>
         <p:nvPicPr>
-          <p:cNvPr id="11" name="Picture 2" descr="C:\Users\Owner\Dropbox\Git\MagnetoPhonons\images\GateVoltageTuning-POSITION-NO-Symmetric-transitions.png"/>
+          <p:cNvPr id="1026" name="Picture 2" descr="C:\Users\Owner\Dropbox\Git\MagnetoPhonons\images_source\GateVoltageTuning-POSITION-NO-Symmetric-transitions.png"/>
           <p:cNvPicPr>
             <a:picLocks noChangeAspect="1" noChangeArrowheads="1"/>
           </p:cNvPicPr>
@@ -3118,8 +3118,8 @@
         </p:blipFill>
         <p:spPr bwMode="auto">
           <a:xfrm>
-            <a:off x="3566160" y="210312"/>
-            <a:ext cx="2743200" cy="2286000"/>
+            <a:off x="3505200" y="210312"/>
+            <a:ext cx="2743200" cy="2304288"/>
           </a:xfrm>
           <a:prstGeom prst="rect">
             <a:avLst/>
@@ -3780,8 +3780,8 @@
               </a:p>
             </p:txBody>
           </p:sp>
-          <mc:AlternateContent xmlns:mc="http://schemas.openxmlformats.org/markup-compatibility/2006">
-            <mc:Choice xmlns:a14="http://schemas.microsoft.com/office/drawing/2010/main" Requires="a14">
+          <mc:AlternateContent xmlns:mc="http://schemas.openxmlformats.org/markup-compatibility/2006" xmlns:a14="http://schemas.microsoft.com/office/drawing/2010/main">
+            <mc:Choice Requires="a14">
               <p:sp>
                 <p:nvSpPr>
                   <p:cNvPr id="82" name="TextBox 81"/>
@@ -3851,7 +3851,7 @@
                 </p:txBody>
               </p:sp>
             </mc:Choice>
-            <mc:Fallback>
+            <mc:Fallback xmlns="">
               <p:sp>
                 <p:nvSpPr>
                   <p:cNvPr id="82" name="TextBox 81"/>
@@ -4428,8 +4428,8 @@
           </a:p>
         </p:txBody>
       </p:sp>
-      <mc:AlternateContent xmlns:mc="http://schemas.openxmlformats.org/markup-compatibility/2006">
-        <mc:Choice xmlns:a14="http://schemas.microsoft.com/office/drawing/2010/main" Requires="a14">
+      <mc:AlternateContent xmlns:mc="http://schemas.openxmlformats.org/markup-compatibility/2006" xmlns:a14="http://schemas.microsoft.com/office/drawing/2010/main">
+        <mc:Choice Requires="a14">
           <p:sp>
             <p:nvSpPr>
               <p:cNvPr id="13" name="TextBox 12"/>
@@ -4498,7 +4498,7 @@
             </p:txBody>
           </p:sp>
         </mc:Choice>
-        <mc:Fallback>
+        <mc:Fallback xmlns="">
           <p:sp>
             <p:nvSpPr>
               <p:cNvPr id="13" name="TextBox 12"/>
@@ -5135,8 +5135,8 @@
           </p:sp>
         </mc:Fallback>
       </mc:AlternateContent>
-      <mc:AlternateContent xmlns:mc="http://schemas.openxmlformats.org/markup-compatibility/2006">
-        <mc:Choice xmlns:a14="http://schemas.microsoft.com/office/drawing/2010/main" Requires="a14">
+      <mc:AlternateContent xmlns:mc="http://schemas.openxmlformats.org/markup-compatibility/2006" xmlns:a14="http://schemas.microsoft.com/office/drawing/2010/main">
+        <mc:Choice Requires="a14">
           <p:sp>
             <p:nvSpPr>
               <p:cNvPr id="4" name="TextBox 3"/>
@@ -5212,7 +5212,7 @@
             </p:txBody>
           </p:sp>
         </mc:Choice>
-        <mc:Fallback>
+        <mc:Fallback xmlns="">
           <p:sp>
             <p:nvSpPr>
               <p:cNvPr id="4" name="TextBox 3"/>
@@ -5251,8 +5251,8 @@
           </p:sp>
         </mc:Fallback>
       </mc:AlternateContent>
-      <mc:AlternateContent xmlns:mc="http://schemas.openxmlformats.org/markup-compatibility/2006">
-        <mc:Choice xmlns:a14="http://schemas.microsoft.com/office/drawing/2010/main" Requires="a14">
+      <mc:AlternateContent xmlns:mc="http://schemas.openxmlformats.org/markup-compatibility/2006" xmlns:a14="http://schemas.microsoft.com/office/drawing/2010/main">
+        <mc:Choice Requires="a14">
           <p:sp>
             <p:nvSpPr>
               <p:cNvPr id="59" name="TextBox 58"/>
@@ -5328,7 +5328,7 @@
             </p:txBody>
           </p:sp>
         </mc:Choice>
-        <mc:Fallback>
+        <mc:Fallback xmlns="">
           <p:sp>
             <p:nvSpPr>
               <p:cNvPr id="59" name="TextBox 58"/>
